--- a/Draft_Sketch2.pptx
+++ b/Draft_Sketch2.pptx
@@ -7419,7 +7419,7 @@
         <p:spPr>
           <a:xfrm>
             <a:off x="0" y="3698712"/>
-            <a:ext cx="1742036" cy="1200329"/>
+            <a:ext cx="1870364" cy="1200329"/>
           </a:xfrm>
           <a:prstGeom prst="rect">
             <a:avLst/>
@@ -7436,7 +7436,7 @@
               <a:rPr lang="en-CA" b="1" dirty="0">
                 <a:latin typeface="Segoe Script" panose="030B0504020000000003" pitchFamily="66" charset="0"/>
               </a:rPr>
-              <a:t>Click on a country to access distribution</a:t>
+              <a:t>Click on a country to access distributions</a:t>
             </a:r>
           </a:p>
         </p:txBody>
